--- a/modules/1_Sample_t/PPT1.pptx
+++ b/modules/1_Sample_t/PPT1.pptx
@@ -3974,7 +3974,7 @@
                             </p:stCondLst>
                             <p:childTnLst>
                               <p:par>
-                                <p:cTn id="5" presetID="1" presetClass="entr" presetSubtype="0" fill="hold" nodeType="clickEffect">
+                                <p:cTn id="5" presetID="1" presetClass="entr" presetSubtype="0" fill="hold" grpId="0" nodeType="clickEffect">
                                   <p:stCondLst>
                                     <p:cond delay="0"/>
                                   </p:stCondLst>
@@ -4023,7 +4023,7 @@
                             </p:stCondLst>
                             <p:childTnLst>
                               <p:par>
-                                <p:cTn id="9" presetID="10" presetClass="entr" presetSubtype="0" fill="hold" nodeType="clickEffect">
+                                <p:cTn id="9" presetID="1" presetClass="entr" presetSubtype="0" fill="hold" grpId="0" nodeType="clickEffect">
                                   <p:stCondLst>
                                     <p:cond delay="0"/>
                                   </p:stCondLst>
@@ -4050,48 +4050,27 @@
                                         <p:strVal val="visible"/>
                                       </p:to>
                                     </p:set>
-                                    <p:animEffect transition="in" filter="fade">
-                                      <p:cBhvr>
-                                        <p:cTn id="11" dur="1000"/>
-                                        <p:tgtEl>
-                                          <p:spTgt spid="3">
-                                            <p:txEl>
-                                              <p:pRg st="2" end="2"/>
-                                            </p:txEl>
-                                          </p:spTgt>
-                                        </p:tgtEl>
-                                      </p:cBhvr>
-                                    </p:animEffect>
                                   </p:childTnLst>
                                 </p:cTn>
                               </p:par>
                             </p:childTnLst>
                           </p:cTn>
                         </p:par>
-                      </p:childTnLst>
-                    </p:cTn>
-                  </p:par>
-                  <p:par>
-                    <p:cTn id="12" fill="hold">
-                      <p:stCondLst>
-                        <p:cond delay="indefinite"/>
-                      </p:stCondLst>
-                      <p:childTnLst>
                         <p:par>
-                          <p:cTn id="13" fill="hold">
+                          <p:cTn id="11" fill="hold">
                             <p:stCondLst>
                               <p:cond delay="0"/>
                             </p:stCondLst>
                             <p:childTnLst>
                               <p:par>
-                                <p:cTn id="14" presetID="10" presetClass="entr" presetSubtype="0" fill="hold" nodeType="clickEffect">
+                                <p:cTn id="12" presetID="1" presetClass="entr" presetSubtype="0" fill="hold" grpId="0" nodeType="afterEffect">
                                   <p:stCondLst>
                                     <p:cond delay="0"/>
                                   </p:stCondLst>
                                   <p:childTnLst>
                                     <p:set>
                                       <p:cBhvr>
-                                        <p:cTn id="15" dur="1" fill="hold">
+                                        <p:cTn id="13" dur="1" fill="hold">
                                           <p:stCondLst>
                                             <p:cond delay="0"/>
                                           </p:stCondLst>
@@ -4111,48 +4090,27 @@
                                         <p:strVal val="visible"/>
                                       </p:to>
                                     </p:set>
-                                    <p:animEffect transition="in" filter="fade">
-                                      <p:cBhvr>
-                                        <p:cTn id="16" dur="1000"/>
-                                        <p:tgtEl>
-                                          <p:spTgt spid="3">
-                                            <p:txEl>
-                                              <p:pRg st="3" end="3"/>
-                                            </p:txEl>
-                                          </p:spTgt>
-                                        </p:tgtEl>
-                                      </p:cBhvr>
-                                    </p:animEffect>
                                   </p:childTnLst>
                                 </p:cTn>
                               </p:par>
                             </p:childTnLst>
                           </p:cTn>
                         </p:par>
-                      </p:childTnLst>
-                    </p:cTn>
-                  </p:par>
-                  <p:par>
-                    <p:cTn id="17" fill="hold">
-                      <p:stCondLst>
-                        <p:cond delay="indefinite"/>
-                      </p:stCondLst>
-                      <p:childTnLst>
                         <p:par>
-                          <p:cTn id="18" fill="hold">
+                          <p:cTn id="14" fill="hold">
                             <p:stCondLst>
                               <p:cond delay="0"/>
                             </p:stCondLst>
                             <p:childTnLst>
                               <p:par>
-                                <p:cTn id="19" presetID="10" presetClass="entr" presetSubtype="0" fill="hold" nodeType="clickEffect">
+                                <p:cTn id="15" presetID="1" presetClass="entr" presetSubtype="0" fill="hold" grpId="0" nodeType="afterEffect">
                                   <p:stCondLst>
                                     <p:cond delay="0"/>
                                   </p:stCondLst>
                                   <p:childTnLst>
                                     <p:set>
                                       <p:cBhvr>
-                                        <p:cTn id="20" dur="1" fill="hold">
+                                        <p:cTn id="16" dur="1" fill="hold">
                                           <p:stCondLst>
                                             <p:cond delay="0"/>
                                           </p:stCondLst>
@@ -4172,18 +4130,6 @@
                                         <p:strVal val="visible"/>
                                       </p:to>
                                     </p:set>
-                                    <p:animEffect transition="in" filter="fade">
-                                      <p:cBhvr>
-                                        <p:cTn id="21" dur="1000"/>
-                                        <p:tgtEl>
-                                          <p:spTgt spid="3">
-                                            <p:txEl>
-                                              <p:pRg st="4" end="4"/>
-                                            </p:txEl>
-                                          </p:spTgt>
-                                        </p:tgtEl>
-                                      </p:cBhvr>
-                                    </p:animEffect>
                                   </p:childTnLst>
                                 </p:cTn>
                               </p:par>
@@ -4214,6 +4160,9 @@
         </p:cTn>
       </p:par>
     </p:tnLst>
+    <p:bldLst>
+      <p:bldP spid="3" grpId="0" uiExpand="1" build="p"/>
+    </p:bldLst>
   </p:timing>
 </p:sld>
 </file>
@@ -4326,7 +4275,7 @@
         <p:spPr>
           <a:xfrm>
             <a:off x="304800" y="1066800"/>
-            <a:ext cx="8001000" cy="2362200"/>
+            <a:ext cx="8001000" cy="3871912"/>
           </a:xfrm>
         </p:spPr>
         <p:txBody>
@@ -4458,7 +4407,7 @@
           <a:graphicData uri="http://schemas.openxmlformats.org/presentationml/2006/ole">
             <mc:AlternateContent xmlns:mc="http://schemas.openxmlformats.org/markup-compatibility/2006">
               <mc:Choice xmlns:v="urn:schemas-microsoft-com:vml" Requires="v">
-                <p:oleObj spid="_x0000_s160814" name="Equation" r:id="rId3" imgW="558720" imgH="457200" progId="Equation.3">
+                <p:oleObj spid="_x0000_s160815" name="Equation" r:id="rId3" imgW="558720" imgH="457200" progId="Equation.3">
                   <p:embed/>
                 </p:oleObj>
               </mc:Choice>
@@ -4754,13 +4703,10 @@
                             </p:stCondLst>
                             <p:childTnLst>
                               <p:par>
-                                <p:cTn id="19" presetID="38" presetClass="entr" presetSubtype="0" accel="50000" fill="hold" grpId="0" nodeType="afterEffect">
+                                <p:cTn id="19" presetID="1" presetClass="entr" presetSubtype="0" fill="hold" grpId="0" nodeType="afterEffect">
                                   <p:stCondLst>
                                     <p:cond delay="0"/>
                                   </p:stCondLst>
-                                  <p:iterate type="lt">
-                                    <p:tmPct val="50000"/>
-                                  </p:iterate>
                                   <p:childTnLst>
                                     <p:set>
                                       <p:cBhvr>
@@ -4780,137 +4726,6 @@
                                         <p:strVal val="visible"/>
                                       </p:to>
                                     </p:set>
-                                    <p:set>
-                                      <p:cBhvr>
-                                        <p:cTn id="21" dur="455" fill="hold">
-                                          <p:stCondLst>
-                                            <p:cond delay="0"/>
-                                          </p:stCondLst>
-                                        </p:cTn>
-                                        <p:tgtEl>
-                                          <p:spTgt spid="160775"/>
-                                        </p:tgtEl>
-                                        <p:attrNameLst>
-                                          <p:attrName>style.rotation</p:attrName>
-                                        </p:attrNameLst>
-                                      </p:cBhvr>
-                                      <p:to>
-                                        <p:strVal val="-45.0"/>
-                                      </p:to>
-                                    </p:set>
-                                    <p:anim calcmode="lin" valueType="num">
-                                      <p:cBhvr>
-                                        <p:cTn id="22" dur="455" fill="hold">
-                                          <p:stCondLst>
-                                            <p:cond delay="455"/>
-                                          </p:stCondLst>
-                                        </p:cTn>
-                                        <p:tgtEl>
-                                          <p:spTgt spid="160775"/>
-                                        </p:tgtEl>
-                                        <p:attrNameLst>
-                                          <p:attrName>style.rotation</p:attrName>
-                                        </p:attrNameLst>
-                                      </p:cBhvr>
-                                      <p:tavLst>
-                                        <p:tav tm="0">
-                                          <p:val>
-                                            <p:fltVal val="-45"/>
-                                          </p:val>
-                                        </p:tav>
-                                        <p:tav tm="69900">
-                                          <p:val>
-                                            <p:fltVal val="45"/>
-                                          </p:val>
-                                        </p:tav>
-                                        <p:tav tm="100000">
-                                          <p:val>
-                                            <p:fltVal val="0"/>
-                                          </p:val>
-                                        </p:tav>
-                                      </p:tavLst>
-                                    </p:anim>
-                                    <p:anim calcmode="lin" valueType="num">
-                                      <p:cBhvr>
-                                        <p:cTn id="23" dur="455" fill="hold">
-                                          <p:stCondLst>
-                                            <p:cond delay="0"/>
-                                          </p:stCondLst>
-                                        </p:cTn>
-                                        <p:tgtEl>
-                                          <p:spTgt spid="160775"/>
-                                        </p:tgtEl>
-                                        <p:attrNameLst>
-                                          <p:attrName>ppt_y</p:attrName>
-                                        </p:attrNameLst>
-                                      </p:cBhvr>
-                                      <p:tavLst>
-                                        <p:tav tm="0">
-                                          <p:val>
-                                            <p:strVal val="#ppt_y-1"/>
-                                          </p:val>
-                                        </p:tav>
-                                        <p:tav tm="100000">
-                                          <p:val>
-                                            <p:strVal val="#ppt_y-(0.354*#ppt_w-0.172*#ppt_h)"/>
-                                          </p:val>
-                                        </p:tav>
-                                      </p:tavLst>
-                                    </p:anim>
-                                    <p:anim calcmode="lin" valueType="num">
-                                      <p:cBhvr>
-                                        <p:cTn id="24" dur="156" decel="50000" autoRev="1" fill="hold">
-                                          <p:stCondLst>
-                                            <p:cond delay="455"/>
-                                          </p:stCondLst>
-                                        </p:cTn>
-                                        <p:tgtEl>
-                                          <p:spTgt spid="160775"/>
-                                        </p:tgtEl>
-                                        <p:attrNameLst>
-                                          <p:attrName>ppt_y</p:attrName>
-                                        </p:attrNameLst>
-                                      </p:cBhvr>
-                                      <p:tavLst>
-                                        <p:tav tm="0">
-                                          <p:val>
-                                            <p:strVal val="#ppt_y-(0.354*#ppt_w-0.172*#ppt_h)"/>
-                                          </p:val>
-                                        </p:tav>
-                                        <p:tav tm="100000">
-                                          <p:val>
-                                            <p:strVal val="#ppt_y-(0.354*#ppt_w-0.172*#ppt_h)-#ppt_h/2"/>
-                                          </p:val>
-                                        </p:tav>
-                                      </p:tavLst>
-                                    </p:anim>
-                                    <p:anim calcmode="lin" valueType="num">
-                                      <p:cBhvr>
-                                        <p:cTn id="25" dur="136" fill="hold">
-                                          <p:stCondLst>
-                                            <p:cond delay="864"/>
-                                          </p:stCondLst>
-                                        </p:cTn>
-                                        <p:tgtEl>
-                                          <p:spTgt spid="160775"/>
-                                        </p:tgtEl>
-                                        <p:attrNameLst>
-                                          <p:attrName>ppt_y</p:attrName>
-                                        </p:attrNameLst>
-                                      </p:cBhvr>
-                                      <p:tavLst>
-                                        <p:tav tm="0">
-                                          <p:val>
-                                            <p:strVal val="#ppt_y-(0.354*#ppt_w-0.172*#ppt_h)"/>
-                                          </p:val>
-                                        </p:tav>
-                                        <p:tav tm="100000">
-                                          <p:val>
-                                            <p:strVal val="#ppt_y"/>
-                                          </p:val>
-                                        </p:tav>
-                                      </p:tavLst>
-                                    </p:anim>
                                   </p:childTnLst>
                                 </p:cTn>
                               </p:par>
@@ -5159,8 +4974,13 @@
           <a:p>
             <a:r>
               <a:rPr lang="en-US" dirty="0" smtClean="0"/>
-              <a:t>See HO for R work</a:t>
+              <a:t>See </a:t>
             </a:r>
+            <a:r>
+              <a:rPr lang="en-US" dirty="0" smtClean="0"/>
+              <a:t>“t distribution in R” video</a:t>
+            </a:r>
+            <a:endParaRPr lang="en-US" dirty="0" smtClean="0"/>
           </a:p>
         </p:txBody>
       </p:sp>
@@ -46270,109 +46090,30 @@
                             </p:childTnLst>
                           </p:cTn>
                         </p:par>
+                      </p:childTnLst>
+                    </p:cTn>
+                  </p:par>
+                  <p:par>
+                    <p:cTn id="14" fill="hold">
+                      <p:stCondLst>
+                        <p:cond delay="indefinite"/>
+                      </p:stCondLst>
+                      <p:childTnLst>
                         <p:par>
-                          <p:cTn id="14" fill="hold">
+                          <p:cTn id="15" fill="hold">
                             <p:stCondLst>
                               <p:cond delay="0"/>
                             </p:stCondLst>
                             <p:childTnLst>
                               <p:par>
-                                <p:cTn id="15" presetID="9" presetClass="entr" presetSubtype="0" fill="hold" nodeType="afterEffect">
+                                <p:cTn id="16" presetID="1" presetClass="entr" presetSubtype="0" fill="hold" grpId="0" nodeType="clickEffect">
                                   <p:stCondLst>
                                     <p:cond delay="0"/>
                                   </p:stCondLst>
                                   <p:childTnLst>
                                     <p:set>
                                       <p:cBhvr>
-                                        <p:cTn id="16" dur="1" fill="hold">
-                                          <p:stCondLst>
-                                            <p:cond delay="0"/>
-                                          </p:stCondLst>
-                                        </p:cTn>
-                                        <p:tgtEl>
-                                          <p:spTgt spid="194718"/>
-                                        </p:tgtEl>
-                                        <p:attrNameLst>
-                                          <p:attrName>style.visibility</p:attrName>
-                                        </p:attrNameLst>
-                                      </p:cBhvr>
-                                      <p:to>
-                                        <p:strVal val="visible"/>
-                                      </p:to>
-                                    </p:set>
-                                    <p:animEffect transition="in" filter="dissolve">
-                                      <p:cBhvr>
-                                        <p:cTn id="17" dur="500"/>
-                                        <p:tgtEl>
-                                          <p:spTgt spid="194718"/>
-                                        </p:tgtEl>
-                                      </p:cBhvr>
-                                    </p:animEffect>
-                                  </p:childTnLst>
-                                </p:cTn>
-                              </p:par>
-                              <p:par>
-                                <p:cTn id="18" presetID="9" presetClass="entr" presetSubtype="0" fill="hold" nodeType="withEffect">
-                                  <p:stCondLst>
-                                    <p:cond delay="0"/>
-                                  </p:stCondLst>
-                                  <p:childTnLst>
-                                    <p:set>
-                                      <p:cBhvr>
-                                        <p:cTn id="19" dur="1" fill="hold">
-                                          <p:stCondLst>
-                                            <p:cond delay="0"/>
-                                          </p:stCondLst>
-                                        </p:cTn>
-                                        <p:tgtEl>
-                                          <p:spTgt spid="193906"/>
-                                        </p:tgtEl>
-                                        <p:attrNameLst>
-                                          <p:attrName>style.visibility</p:attrName>
-                                        </p:attrNameLst>
-                                      </p:cBhvr>
-                                      <p:to>
-                                        <p:strVal val="visible"/>
-                                      </p:to>
-                                    </p:set>
-                                    <p:animEffect transition="in" filter="dissolve">
-                                      <p:cBhvr>
-                                        <p:cTn id="20" dur="500"/>
-                                        <p:tgtEl>
-                                          <p:spTgt spid="193906"/>
-                                        </p:tgtEl>
-                                      </p:cBhvr>
-                                    </p:animEffect>
-                                  </p:childTnLst>
-                                </p:cTn>
-                              </p:par>
-                            </p:childTnLst>
-                          </p:cTn>
-                        </p:par>
-                      </p:childTnLst>
-                    </p:cTn>
-                  </p:par>
-                  <p:par>
-                    <p:cTn id="21" fill="hold">
-                      <p:stCondLst>
-                        <p:cond delay="indefinite"/>
-                      </p:stCondLst>
-                      <p:childTnLst>
-                        <p:par>
-                          <p:cTn id="22" fill="hold">
-                            <p:stCondLst>
-                              <p:cond delay="0"/>
-                            </p:stCondLst>
-                            <p:childTnLst>
-                              <p:par>
-                                <p:cTn id="23" presetID="1" presetClass="entr" presetSubtype="0" fill="hold" grpId="0" nodeType="clickEffect">
-                                  <p:stCondLst>
-                                    <p:cond delay="0"/>
-                                  </p:stCondLst>
-                                  <p:childTnLst>
-                                    <p:set>
-                                      <p:cBhvr>
-                                        <p:cTn id="24" dur="1" fill="hold">
+                                        <p:cTn id="17" dur="1" fill="hold">
                                           <p:stCondLst>
                                             <p:cond delay="0"/>
                                           </p:stCondLst>
@@ -46399,20 +46140,20 @@
                           </p:cTn>
                         </p:par>
                         <p:par>
-                          <p:cTn id="25" fill="hold">
+                          <p:cTn id="18" fill="hold">
                             <p:stCondLst>
                               <p:cond delay="0"/>
                             </p:stCondLst>
                             <p:childTnLst>
                               <p:par>
-                                <p:cTn id="26" presetID="1" presetClass="entr" presetSubtype="0" fill="hold" grpId="0" nodeType="afterEffect">
+                                <p:cTn id="19" presetID="1" presetClass="entr" presetSubtype="0" fill="hold" grpId="0" nodeType="afterEffect">
                                   <p:stCondLst>
                                     <p:cond delay="0"/>
                                   </p:stCondLst>
                                   <p:childTnLst>
                                     <p:set>
                                       <p:cBhvr>
-                                        <p:cTn id="27" dur="1" fill="hold">
+                                        <p:cTn id="20" dur="1" fill="hold">
                                           <p:stCondLst>
                                             <p:cond delay="0"/>
                                           </p:stCondLst>
@@ -46438,30 +46179,21 @@
                             </p:childTnLst>
                           </p:cTn>
                         </p:par>
-                      </p:childTnLst>
-                    </p:cTn>
-                  </p:par>
-                  <p:par>
-                    <p:cTn id="28" fill="hold">
-                      <p:stCondLst>
-                        <p:cond delay="indefinite"/>
-                      </p:stCondLst>
-                      <p:childTnLst>
                         <p:par>
-                          <p:cTn id="29" fill="hold">
+                          <p:cTn id="21" fill="hold">
                             <p:stCondLst>
                               <p:cond delay="0"/>
                             </p:stCondLst>
                             <p:childTnLst>
                               <p:par>
-                                <p:cTn id="30" presetID="1" presetClass="entr" presetSubtype="0" fill="hold" grpId="0" nodeType="clickEffect">
+                                <p:cTn id="22" presetID="1" presetClass="entr" presetSubtype="0" fill="hold" grpId="0" nodeType="afterEffect">
                                   <p:stCondLst>
                                     <p:cond delay="0"/>
                                   </p:stCondLst>
                                   <p:childTnLst>
                                     <p:set>
                                       <p:cBhvr>
-                                        <p:cTn id="31" dur="1" fill="hold">
+                                        <p:cTn id="23" dur="1" fill="hold">
                                           <p:stCondLst>
                                             <p:cond delay="0"/>
                                           </p:stCondLst>
@@ -46487,74 +46219,30 @@
                             </p:childTnLst>
                           </p:cTn>
                         </p:par>
+                      </p:childTnLst>
+                    </p:cTn>
+                  </p:par>
+                  <p:par>
+                    <p:cTn id="24" fill="hold">
+                      <p:stCondLst>
+                        <p:cond delay="indefinite"/>
+                      </p:stCondLst>
+                      <p:childTnLst>
                         <p:par>
-                          <p:cTn id="32" fill="hold">
+                          <p:cTn id="25" fill="hold">
                             <p:stCondLst>
                               <p:cond delay="0"/>
                             </p:stCondLst>
                             <p:childTnLst>
                               <p:par>
-                                <p:cTn id="33" presetID="9" presetClass="entr" presetSubtype="0" fill="hold" nodeType="afterEffect">
+                                <p:cTn id="26" presetID="1" presetClass="entr" presetSubtype="0" fill="hold" grpId="0" nodeType="clickEffect">
                                   <p:stCondLst>
                                     <p:cond delay="0"/>
                                   </p:stCondLst>
                                   <p:childTnLst>
                                     <p:set>
                                       <p:cBhvr>
-                                        <p:cTn id="34" dur="1" fill="hold">
-                                          <p:stCondLst>
-                                            <p:cond delay="0"/>
-                                          </p:stCondLst>
-                                        </p:cTn>
-                                        <p:tgtEl>
-                                          <p:spTgt spid="194067"/>
-                                        </p:tgtEl>
-                                        <p:attrNameLst>
-                                          <p:attrName>style.visibility</p:attrName>
-                                        </p:attrNameLst>
-                                      </p:cBhvr>
-                                      <p:to>
-                                        <p:strVal val="visible"/>
-                                      </p:to>
-                                    </p:set>
-                                    <p:animEffect transition="in" filter="dissolve">
-                                      <p:cBhvr>
-                                        <p:cTn id="35" dur="500"/>
-                                        <p:tgtEl>
-                                          <p:spTgt spid="194067"/>
-                                        </p:tgtEl>
-                                      </p:cBhvr>
-                                    </p:animEffect>
-                                  </p:childTnLst>
-                                </p:cTn>
-                              </p:par>
-                            </p:childTnLst>
-                          </p:cTn>
-                        </p:par>
-                      </p:childTnLst>
-                    </p:cTn>
-                  </p:par>
-                  <p:par>
-                    <p:cTn id="36" fill="hold">
-                      <p:stCondLst>
-                        <p:cond delay="indefinite"/>
-                      </p:stCondLst>
-                      <p:childTnLst>
-                        <p:par>
-                          <p:cTn id="37" fill="hold">
-                            <p:stCondLst>
-                              <p:cond delay="0"/>
-                            </p:stCondLst>
-                            <p:childTnLst>
-                              <p:par>
-                                <p:cTn id="38" presetID="1" presetClass="entr" presetSubtype="0" fill="hold" grpId="0" nodeType="clickEffect">
-                                  <p:stCondLst>
-                                    <p:cond delay="0"/>
-                                  </p:stCondLst>
-                                  <p:childTnLst>
-                                    <p:set>
-                                      <p:cBhvr>
-                                        <p:cTn id="39" dur="1" fill="hold">
+                                        <p:cTn id="27" dur="1" fill="hold">
                                           <p:stCondLst>
                                             <p:cond delay="0"/>
                                           </p:stCondLst>
@@ -46581,20 +46269,20 @@
                           </p:cTn>
                         </p:par>
                         <p:par>
-                          <p:cTn id="40" fill="hold">
+                          <p:cTn id="28" fill="hold">
                             <p:stCondLst>
                               <p:cond delay="0"/>
                             </p:stCondLst>
                             <p:childTnLst>
                               <p:par>
-                                <p:cTn id="41" presetID="9" presetClass="entr" presetSubtype="0" fill="hold" grpId="0" nodeType="afterEffect">
+                                <p:cTn id="29" presetID="9" presetClass="entr" presetSubtype="0" fill="hold" grpId="0" nodeType="afterEffect">
                                   <p:stCondLst>
                                     <p:cond delay="0"/>
                                   </p:stCondLst>
                                   <p:childTnLst>
                                     <p:set>
                                       <p:cBhvr>
-                                        <p:cTn id="42" dur="1" fill="hold">
+                                        <p:cTn id="30" dur="1" fill="hold">
                                           <p:stCondLst>
                                             <p:cond delay="0"/>
                                           </p:stCondLst>
@@ -46612,9 +46300,141 @@
                                     </p:set>
                                     <p:animEffect transition="in" filter="dissolve">
                                       <p:cBhvr>
+                                        <p:cTn id="31" dur="500"/>
+                                        <p:tgtEl>
+                                          <p:spTgt spid="194228"/>
+                                        </p:tgtEl>
+                                      </p:cBhvr>
+                                    </p:animEffect>
+                                  </p:childTnLst>
+                                </p:cTn>
+                              </p:par>
+                            </p:childTnLst>
+                          </p:cTn>
+                        </p:par>
+                      </p:childTnLst>
+                    </p:cTn>
+                  </p:par>
+                  <p:par>
+                    <p:cTn id="32" fill="hold">
+                      <p:stCondLst>
+                        <p:cond delay="indefinite"/>
+                      </p:stCondLst>
+                      <p:childTnLst>
+                        <p:par>
+                          <p:cTn id="33" fill="hold">
+                            <p:stCondLst>
+                              <p:cond delay="0"/>
+                            </p:stCondLst>
+                            <p:childTnLst>
+                              <p:par>
+                                <p:cTn id="34" presetID="9" presetClass="exit" presetSubtype="0" fill="hold" grpId="1" nodeType="clickEffect">
+                                  <p:stCondLst>
+                                    <p:cond delay="0"/>
+                                  </p:stCondLst>
+                                  <p:childTnLst>
+                                    <p:animEffect transition="out" filter="dissolve">
+                                      <p:cBhvr>
+                                        <p:cTn id="35" dur="500"/>
+                                        <p:tgtEl>
+                                          <p:spTgt spid="194228"/>
+                                        </p:tgtEl>
+                                      </p:cBhvr>
+                                    </p:animEffect>
+                                    <p:set>
+                                      <p:cBhvr>
+                                        <p:cTn id="36" dur="1" fill="hold">
+                                          <p:stCondLst>
+                                            <p:cond delay="499"/>
+                                          </p:stCondLst>
+                                        </p:cTn>
+                                        <p:tgtEl>
+                                          <p:spTgt spid="194228"/>
+                                        </p:tgtEl>
+                                        <p:attrNameLst>
+                                          <p:attrName>style.visibility</p:attrName>
+                                        </p:attrNameLst>
+                                      </p:cBhvr>
+                                      <p:to>
+                                        <p:strVal val="hidden"/>
+                                      </p:to>
+                                    </p:set>
+                                  </p:childTnLst>
+                                </p:cTn>
+                              </p:par>
+                              <p:par>
+                                <p:cTn id="37" presetID="9" presetClass="entr" presetSubtype="0" fill="hold" grpId="0" nodeType="withEffect">
+                                  <p:stCondLst>
+                                    <p:cond delay="0"/>
+                                  </p:stCondLst>
+                                  <p:childTnLst>
+                                    <p:set>
+                                      <p:cBhvr>
+                                        <p:cTn id="38" dur="1" fill="hold">
+                                          <p:stCondLst>
+                                            <p:cond delay="0"/>
+                                          </p:stCondLst>
+                                        </p:cTn>
+                                        <p:tgtEl>
+                                          <p:spTgt spid="194390"/>
+                                        </p:tgtEl>
+                                        <p:attrNameLst>
+                                          <p:attrName>style.visibility</p:attrName>
+                                        </p:attrNameLst>
+                                      </p:cBhvr>
+                                      <p:to>
+                                        <p:strVal val="visible"/>
+                                      </p:to>
+                                    </p:set>
+                                    <p:animEffect transition="in" filter="dissolve">
+                                      <p:cBhvr>
+                                        <p:cTn id="39" dur="500"/>
+                                        <p:tgtEl>
+                                          <p:spTgt spid="194390"/>
+                                        </p:tgtEl>
+                                      </p:cBhvr>
+                                    </p:animEffect>
+                                  </p:childTnLst>
+                                </p:cTn>
+                              </p:par>
+                            </p:childTnLst>
+                          </p:cTn>
+                        </p:par>
+                        <p:par>
+                          <p:cTn id="40" fill="hold">
+                            <p:stCondLst>
+                              <p:cond delay="500"/>
+                            </p:stCondLst>
+                            <p:childTnLst>
+                              <p:par>
+                                <p:cTn id="41" presetID="9" presetClass="entr" presetSubtype="0" fill="hold" nodeType="afterEffect">
+                                  <p:stCondLst>
+                                    <p:cond delay="0"/>
+                                  </p:stCondLst>
+                                  <p:childTnLst>
+                                    <p:set>
+                                      <p:cBhvr>
+                                        <p:cTn id="42" dur="1" fill="hold">
+                                          <p:stCondLst>
+                                            <p:cond delay="0"/>
+                                          </p:stCondLst>
+                                        </p:cTn>
+                                        <p:tgtEl>
+                                          <p:spTgt spid="194229"/>
+                                        </p:tgtEl>
+                                        <p:attrNameLst>
+                                          <p:attrName>style.visibility</p:attrName>
+                                        </p:attrNameLst>
+                                      </p:cBhvr>
+                                      <p:to>
+                                        <p:strVal val="visible"/>
+                                      </p:to>
+                                    </p:set>
+                                    <p:animEffect transition="in" filter="dissolve">
+                                      <p:cBhvr>
                                         <p:cTn id="43" dur="500"/>
                                         <p:tgtEl>
-                                          <p:spTgt spid="194228"/>
+                                          <p:spTgt spid="194229"/>
                                         </p:tgtEl>
                                       </p:cBhvr>
                                     </p:animEffect>
@@ -46649,7 +46469,7 @@
                                       <p:cBhvr>
                                         <p:cTn id="47" dur="500"/>
                                         <p:tgtEl>
-                                          <p:spTgt spid="194228"/>
+                                          <p:spTgt spid="194390"/>
                                         </p:tgtEl>
                                       </p:cBhvr>
                                     </p:animEffect>
@@ -46661,7 +46481,7 @@
                                           </p:stCondLst>
                                         </p:cTn>
                                         <p:tgtEl>
-                                          <p:spTgt spid="194228"/>
+                                          <p:spTgt spid="194390"/>
                                         </p:tgtEl>
                                         <p:attrNameLst>
                                           <p:attrName>style.visibility</p:attrName>
@@ -46688,7 +46508,7 @@
                                           </p:stCondLst>
                                         </p:cTn>
                                         <p:tgtEl>
-                                          <p:spTgt spid="194390"/>
+                                          <p:spTgt spid="194552"/>
                                         </p:tgtEl>
                                         <p:attrNameLst>
                                           <p:attrName>style.visibility</p:attrName>
@@ -46702,7 +46522,7 @@
                                       <p:cBhvr>
                                         <p:cTn id="51" dur="500"/>
                                         <p:tgtEl>
-                                          <p:spTgt spid="194390"/>
+                                          <p:spTgt spid="194552"/>
                                         </p:tgtEl>
                                       </p:cBhvr>
                                     </p:animEffect>
@@ -46732,7 +46552,7 @@
                                           </p:stCondLst>
                                         </p:cTn>
                                         <p:tgtEl>
-                                          <p:spTgt spid="194229"/>
+                                          <p:spTgt spid="194391"/>
                                         </p:tgtEl>
                                         <p:attrNameLst>
                                           <p:attrName>style.visibility</p:attrName>
@@ -46746,7 +46566,7 @@
                                       <p:cBhvr>
                                         <p:cTn id="55" dur="500"/>
                                         <p:tgtEl>
-                                          <p:spTgt spid="194229"/>
+                                          <p:spTgt spid="194391"/>
                                         </p:tgtEl>
                                       </p:cBhvr>
                                     </p:animEffect>
@@ -46781,7 +46601,7 @@
                                       <p:cBhvr>
                                         <p:cTn id="59" dur="500"/>
                                         <p:tgtEl>
-                                          <p:spTgt spid="194390"/>
+                                          <p:spTgt spid="194552"/>
                                         </p:tgtEl>
                                       </p:cBhvr>
                                     </p:animEffect>
@@ -46793,7 +46613,7 @@
                                           </p:stCondLst>
                                         </p:cTn>
                                         <p:tgtEl>
-                                          <p:spTgt spid="194390"/>
+                                          <p:spTgt spid="194552"/>
                                         </p:tgtEl>
                                         <p:attrNameLst>
                                           <p:attrName>style.visibility</p:attrName>
@@ -46820,7 +46640,7 @@
                                           </p:stCondLst>
                                         </p:cTn>
                                         <p:tgtEl>
-                                          <p:spTgt spid="194552"/>
+                                          <p:spTgt spid="194714"/>
                                         </p:tgtEl>
                                         <p:attrNameLst>
                                           <p:attrName>style.visibility</p:attrName>
@@ -46834,7 +46654,7 @@
                                       <p:cBhvr>
                                         <p:cTn id="63" dur="500"/>
                                         <p:tgtEl>
-                                          <p:spTgt spid="194552"/>
+                                          <p:spTgt spid="194714"/>
                                         </p:tgtEl>
                                       </p:cBhvr>
                                     </p:animEffect>
@@ -46864,7 +46684,7 @@
                                           </p:stCondLst>
                                         </p:cTn>
                                         <p:tgtEl>
-                                          <p:spTgt spid="194391"/>
+                                          <p:spTgt spid="194553"/>
                                         </p:tgtEl>
                                         <p:attrNameLst>
                                           <p:attrName>style.visibility</p:attrName>
@@ -46878,7 +46698,7 @@
                                       <p:cBhvr>
                                         <p:cTn id="67" dur="500"/>
                                         <p:tgtEl>
-                                          <p:spTgt spid="194391"/>
+                                          <p:spTgt spid="194553"/>
                                         </p:tgtEl>
                                       </p:cBhvr>
                                     </p:animEffect>
@@ -46913,145 +46733,13 @@
                                       <p:cBhvr>
                                         <p:cTn id="71" dur="500"/>
                                         <p:tgtEl>
-                                          <p:spTgt spid="194552"/>
+                                          <p:spTgt spid="194714"/>
                                         </p:tgtEl>
                                       </p:cBhvr>
                                     </p:animEffect>
                                     <p:set>
                                       <p:cBhvr>
                                         <p:cTn id="72" dur="1" fill="hold">
-                                          <p:stCondLst>
-                                            <p:cond delay="499"/>
-                                          </p:stCondLst>
-                                        </p:cTn>
-                                        <p:tgtEl>
-                                          <p:spTgt spid="194552"/>
-                                        </p:tgtEl>
-                                        <p:attrNameLst>
-                                          <p:attrName>style.visibility</p:attrName>
-                                        </p:attrNameLst>
-                                      </p:cBhvr>
-                                      <p:to>
-                                        <p:strVal val="hidden"/>
-                                      </p:to>
-                                    </p:set>
-                                  </p:childTnLst>
-                                </p:cTn>
-                              </p:par>
-                              <p:par>
-                                <p:cTn id="73" presetID="9" presetClass="entr" presetSubtype="0" fill="hold" grpId="0" nodeType="withEffect">
-                                  <p:stCondLst>
-                                    <p:cond delay="0"/>
-                                  </p:stCondLst>
-                                  <p:childTnLst>
-                                    <p:set>
-                                      <p:cBhvr>
-                                        <p:cTn id="74" dur="1" fill="hold">
-                                          <p:stCondLst>
-                                            <p:cond delay="0"/>
-                                          </p:stCondLst>
-                                        </p:cTn>
-                                        <p:tgtEl>
-                                          <p:spTgt spid="194714"/>
-                                        </p:tgtEl>
-                                        <p:attrNameLst>
-                                          <p:attrName>style.visibility</p:attrName>
-                                        </p:attrNameLst>
-                                      </p:cBhvr>
-                                      <p:to>
-                                        <p:strVal val="visible"/>
-                                      </p:to>
-                                    </p:set>
-                                    <p:animEffect transition="in" filter="dissolve">
-                                      <p:cBhvr>
-                                        <p:cTn id="75" dur="500"/>
-                                        <p:tgtEl>
-                                          <p:spTgt spid="194714"/>
-                                        </p:tgtEl>
-                                      </p:cBhvr>
-                                    </p:animEffect>
-                                  </p:childTnLst>
-                                </p:cTn>
-                              </p:par>
-                            </p:childTnLst>
-                          </p:cTn>
-                        </p:par>
-                        <p:par>
-                          <p:cTn id="76" fill="hold">
-                            <p:stCondLst>
-                              <p:cond delay="500"/>
-                            </p:stCondLst>
-                            <p:childTnLst>
-                              <p:par>
-                                <p:cTn id="77" presetID="9" presetClass="entr" presetSubtype="0" fill="hold" nodeType="afterEffect">
-                                  <p:stCondLst>
-                                    <p:cond delay="0"/>
-                                  </p:stCondLst>
-                                  <p:childTnLst>
-                                    <p:set>
-                                      <p:cBhvr>
-                                        <p:cTn id="78" dur="1" fill="hold">
-                                          <p:stCondLst>
-                                            <p:cond delay="0"/>
-                                          </p:stCondLst>
-                                        </p:cTn>
-                                        <p:tgtEl>
-                                          <p:spTgt spid="194553"/>
-                                        </p:tgtEl>
-                                        <p:attrNameLst>
-                                          <p:attrName>style.visibility</p:attrName>
-                                        </p:attrNameLst>
-                                      </p:cBhvr>
-                                      <p:to>
-                                        <p:strVal val="visible"/>
-                                      </p:to>
-                                    </p:set>
-                                    <p:animEffect transition="in" filter="dissolve">
-                                      <p:cBhvr>
-                                        <p:cTn id="79" dur="500"/>
-                                        <p:tgtEl>
-                                          <p:spTgt spid="194553"/>
-                                        </p:tgtEl>
-                                      </p:cBhvr>
-                                    </p:animEffect>
-                                  </p:childTnLst>
-                                </p:cTn>
-                              </p:par>
-                            </p:childTnLst>
-                          </p:cTn>
-                        </p:par>
-                      </p:childTnLst>
-                    </p:cTn>
-                  </p:par>
-                  <p:par>
-                    <p:cTn id="80" fill="hold">
-                      <p:stCondLst>
-                        <p:cond delay="indefinite"/>
-                      </p:stCondLst>
-                      <p:childTnLst>
-                        <p:par>
-                          <p:cTn id="81" fill="hold">
-                            <p:stCondLst>
-                              <p:cond delay="0"/>
-                            </p:stCondLst>
-                            <p:childTnLst>
-                              <p:par>
-                                <p:cTn id="82" presetID="9" presetClass="exit" presetSubtype="0" fill="hold" grpId="1" nodeType="clickEffect">
-                                  <p:stCondLst>
-                                    <p:cond delay="0"/>
-                                  </p:stCondLst>
-                                  <p:childTnLst>
-                                    <p:animEffect transition="out" filter="dissolve">
-                                      <p:cBhvr>
-                                        <p:cTn id="83" dur="500"/>
-                                        <p:tgtEl>
-                                          <p:spTgt spid="194714"/>
-                                        </p:tgtEl>
-                                      </p:cBhvr>
-                                    </p:animEffect>
-                                    <p:set>
-                                      <p:cBhvr>
-                                        <p:cTn id="84" dur="1" fill="hold">
                                           <p:stCondLst>
                                             <p:cond delay="499"/>
                                           </p:stCondLst>
@@ -47077,26 +46765,26 @@
                     </p:cTn>
                   </p:par>
                   <p:par>
-                    <p:cTn id="85" fill="hold">
+                    <p:cTn id="73" fill="hold">
                       <p:stCondLst>
                         <p:cond delay="indefinite"/>
                       </p:stCondLst>
                       <p:childTnLst>
                         <p:par>
-                          <p:cTn id="86" fill="hold">
+                          <p:cTn id="74" fill="hold">
                             <p:stCondLst>
                               <p:cond delay="0"/>
                             </p:stCondLst>
                             <p:childTnLst>
                               <p:par>
-                                <p:cTn id="87" presetID="1" presetClass="entr" presetSubtype="0" fill="hold" grpId="0" nodeType="clickEffect">
+                                <p:cTn id="75" presetID="1" presetClass="entr" presetSubtype="0" fill="hold" grpId="0" nodeType="clickEffect">
                                   <p:stCondLst>
                                     <p:cond delay="0"/>
                                   </p:stCondLst>
                                   <p:childTnLst>
                                     <p:set>
                                       <p:cBhvr>
-                                        <p:cTn id="88" dur="1" fill="hold">
+                                        <p:cTn id="76" dur="1" fill="hold">
                                           <p:stCondLst>
                                             <p:cond delay="0"/>
                                           </p:stCondLst>
